--- a/Presentations/Mid Semester Review/Individual_Slides/Matt/Busby_Slides.pptx
+++ b/Presentations/Mid Semester Review/Individual_Slides/Matt/Busby_Slides.pptx
@@ -8,8 +8,8 @@
     <p:sldId id="256" r:id="rId2"/>
     <p:sldId id="257" r:id="rId3"/>
     <p:sldId id="258" r:id="rId4"/>
-    <p:sldId id="259" r:id="rId5"/>
-    <p:sldId id="260" r:id="rId6"/>
+    <p:sldId id="260" r:id="rId5"/>
+    <p:sldId id="259" r:id="rId6"/>
   </p:sldIdLst>
   <p:sldSz cx="9144000" cy="6858000" type="screen4x3"/>
   <p:notesSz cx="6858000" cy="9144000"/>
@@ -1243,6 +1243,13 @@
         </dgm:presLayoutVars>
       </dgm:prSet>
       <dgm:spPr/>
+      <dgm:t>
+        <a:bodyPr/>
+        <a:lstStyle/>
+        <a:p>
+          <a:endParaRPr lang="en-US"/>
+        </a:p>
+      </dgm:t>
     </dgm:pt>
     <dgm:pt modelId="{72625C49-4DBB-49C2-A169-841980FA5F0F}" type="pres">
       <dgm:prSet presAssocID="{4205FB4D-053E-4FA1-83AF-B50C39C54706}" presName="hierRoot1" presStyleCnt="0"/>
@@ -1263,6 +1270,13 @@
         </dgm:presLayoutVars>
       </dgm:prSet>
       <dgm:spPr/>
+      <dgm:t>
+        <a:bodyPr/>
+        <a:lstStyle/>
+        <a:p>
+          <a:endParaRPr lang="en-US"/>
+        </a:p>
+      </dgm:t>
     </dgm:pt>
     <dgm:pt modelId="{70AEE772-F34B-4918-A018-D2AF092B88FE}" type="pres">
       <dgm:prSet presAssocID="{4205FB4D-053E-4FA1-83AF-B50C39C54706}" presName="hierChild2" presStyleCnt="0"/>
@@ -1271,6 +1285,13 @@
     <dgm:pt modelId="{4356A9A4-0468-4C4E-8BF9-771B66272BC5}" type="pres">
       <dgm:prSet presAssocID="{8EA7298F-4477-444E-8AE5-C20F5A98FBE9}" presName="Name10" presStyleLbl="parChTrans1D2" presStyleIdx="0" presStyleCnt="3"/>
       <dgm:spPr/>
+      <dgm:t>
+        <a:bodyPr/>
+        <a:lstStyle/>
+        <a:p>
+          <a:endParaRPr lang="en-US"/>
+        </a:p>
+      </dgm:t>
     </dgm:pt>
     <dgm:pt modelId="{F101A671-5BAB-4E71-B89F-307B63753270}" type="pres">
       <dgm:prSet presAssocID="{8310627E-E1B4-439C-87E0-7B293C6E4DB8}" presName="hierRoot2" presStyleCnt="0"/>
@@ -1291,6 +1312,13 @@
         </dgm:presLayoutVars>
       </dgm:prSet>
       <dgm:spPr/>
+      <dgm:t>
+        <a:bodyPr/>
+        <a:lstStyle/>
+        <a:p>
+          <a:endParaRPr lang="en-US"/>
+        </a:p>
+      </dgm:t>
     </dgm:pt>
     <dgm:pt modelId="{8C66231C-1992-4855-A424-CA303896462A}" type="pres">
       <dgm:prSet presAssocID="{8310627E-E1B4-439C-87E0-7B293C6E4DB8}" presName="hierChild3" presStyleCnt="0"/>
@@ -1299,6 +1327,13 @@
     <dgm:pt modelId="{519A6A19-90DD-4E7D-A064-04EE3BEC1D31}" type="pres">
       <dgm:prSet presAssocID="{CEEA9B0D-14D5-4509-BE9E-96A5F47A479D}" presName="Name17" presStyleLbl="parChTrans1D3" presStyleIdx="0" presStyleCnt="1"/>
       <dgm:spPr/>
+      <dgm:t>
+        <a:bodyPr/>
+        <a:lstStyle/>
+        <a:p>
+          <a:endParaRPr lang="en-US"/>
+        </a:p>
+      </dgm:t>
     </dgm:pt>
     <dgm:pt modelId="{F3BDDC38-6645-45B4-AE23-87E41C3B5A8F}" type="pres">
       <dgm:prSet presAssocID="{29E47854-34CA-467F-90F3-579DF8BDDC63}" presName="hierRoot3" presStyleCnt="0"/>
@@ -1319,6 +1354,13 @@
         </dgm:presLayoutVars>
       </dgm:prSet>
       <dgm:spPr/>
+      <dgm:t>
+        <a:bodyPr/>
+        <a:lstStyle/>
+        <a:p>
+          <a:endParaRPr lang="en-US"/>
+        </a:p>
+      </dgm:t>
     </dgm:pt>
     <dgm:pt modelId="{458A846F-24A8-42CF-B923-2291E5EC5F90}" type="pres">
       <dgm:prSet presAssocID="{29E47854-34CA-467F-90F3-579DF8BDDC63}" presName="hierChild4" presStyleCnt="0"/>
@@ -1327,6 +1369,13 @@
     <dgm:pt modelId="{DC0DCA6C-DE47-4860-8E1A-70B002ED8023}" type="pres">
       <dgm:prSet presAssocID="{CBBF06CA-7286-4E94-972C-3B315424A94E}" presName="Name23" presStyleLbl="parChTrans1D4" presStyleIdx="0" presStyleCnt="4"/>
       <dgm:spPr/>
+      <dgm:t>
+        <a:bodyPr/>
+        <a:lstStyle/>
+        <a:p>
+          <a:endParaRPr lang="en-US"/>
+        </a:p>
+      </dgm:t>
     </dgm:pt>
     <dgm:pt modelId="{BDAC2F55-2FAB-4911-AC19-6360BB9A8EB3}" type="pres">
       <dgm:prSet presAssocID="{733AB51D-0F35-4672-8D70-BFAF08B7B494}" presName="hierRoot4" presStyleCnt="0"/>
@@ -1347,6 +1396,13 @@
         </dgm:presLayoutVars>
       </dgm:prSet>
       <dgm:spPr/>
+      <dgm:t>
+        <a:bodyPr/>
+        <a:lstStyle/>
+        <a:p>
+          <a:endParaRPr lang="en-US"/>
+        </a:p>
+      </dgm:t>
     </dgm:pt>
     <dgm:pt modelId="{B21AA778-4B4C-40C5-BEEA-831A8724ABA3}" type="pres">
       <dgm:prSet presAssocID="{733AB51D-0F35-4672-8D70-BFAF08B7B494}" presName="hierChild5" presStyleCnt="0"/>
@@ -1355,6 +1411,13 @@
     <dgm:pt modelId="{2CDE8D3D-C1A6-40A6-B8F8-0EA8494DFE3E}" type="pres">
       <dgm:prSet presAssocID="{19A60DCB-5F3B-46A4-9FA1-D8FDAD564C98}" presName="Name23" presStyleLbl="parChTrans1D4" presStyleIdx="1" presStyleCnt="4"/>
       <dgm:spPr/>
+      <dgm:t>
+        <a:bodyPr/>
+        <a:lstStyle/>
+        <a:p>
+          <a:endParaRPr lang="en-US"/>
+        </a:p>
+      </dgm:t>
     </dgm:pt>
     <dgm:pt modelId="{370F929B-A8A8-4FC7-B1D6-19AA1755CD44}" type="pres">
       <dgm:prSet presAssocID="{68DF84C2-B24E-4AB0-B09C-276C9CA15F02}" presName="hierRoot4" presStyleCnt="0"/>
@@ -1390,6 +1453,13 @@
     <dgm:pt modelId="{6B7E2E83-287A-4309-9C1C-A36DF8AF49D4}" type="pres">
       <dgm:prSet presAssocID="{AC4D40B5-6962-4508-A15A-6B25DD1CD412}" presName="Name23" presStyleLbl="parChTrans1D4" presStyleIdx="2" presStyleCnt="4"/>
       <dgm:spPr/>
+      <dgm:t>
+        <a:bodyPr/>
+        <a:lstStyle/>
+        <a:p>
+          <a:endParaRPr lang="en-US"/>
+        </a:p>
+      </dgm:t>
     </dgm:pt>
     <dgm:pt modelId="{A32E6B74-5AA5-4254-8922-63BC9438F02C}" type="pres">
       <dgm:prSet presAssocID="{105E611B-EB5B-4106-80A3-F49AAEEEFABF}" presName="hierRoot4" presStyleCnt="0"/>
@@ -1425,6 +1495,13 @@
     <dgm:pt modelId="{0C16662C-6B06-4EB6-9A8F-C4F57B716F32}" type="pres">
       <dgm:prSet presAssocID="{84563CB0-D388-44E2-81C9-A82717EF80A2}" presName="Name23" presStyleLbl="parChTrans1D4" presStyleIdx="3" presStyleCnt="4"/>
       <dgm:spPr/>
+      <dgm:t>
+        <a:bodyPr/>
+        <a:lstStyle/>
+        <a:p>
+          <a:endParaRPr lang="en-US"/>
+        </a:p>
+      </dgm:t>
     </dgm:pt>
     <dgm:pt modelId="{F19D6785-ADE4-4C1D-A85A-CACCBA23DCCE}" type="pres">
       <dgm:prSet presAssocID="{254C80B2-E347-44D7-A60F-5F8767E359F5}" presName="hierRoot4" presStyleCnt="0"/>
@@ -1445,6 +1522,13 @@
         </dgm:presLayoutVars>
       </dgm:prSet>
       <dgm:spPr/>
+      <dgm:t>
+        <a:bodyPr/>
+        <a:lstStyle/>
+        <a:p>
+          <a:endParaRPr lang="en-US"/>
+        </a:p>
+      </dgm:t>
     </dgm:pt>
     <dgm:pt modelId="{D8D6E32D-EFA7-4243-95A6-CD71EE7E6DAB}" type="pres">
       <dgm:prSet presAssocID="{254C80B2-E347-44D7-A60F-5F8767E359F5}" presName="hierChild5" presStyleCnt="0"/>
@@ -1453,6 +1537,13 @@
     <dgm:pt modelId="{257D6114-E98D-4022-B465-82915B26224D}" type="pres">
       <dgm:prSet presAssocID="{888BAC43-A2FD-4875-BB3F-2506CAC8F9C2}" presName="Name10" presStyleLbl="parChTrans1D2" presStyleIdx="1" presStyleCnt="3"/>
       <dgm:spPr/>
+      <dgm:t>
+        <a:bodyPr/>
+        <a:lstStyle/>
+        <a:p>
+          <a:endParaRPr lang="en-US"/>
+        </a:p>
+      </dgm:t>
     </dgm:pt>
     <dgm:pt modelId="{3944A54B-B59F-4625-9ECF-257F20451C22}" type="pres">
       <dgm:prSet presAssocID="{70FC9FAC-69D3-48B9-930E-ABAF22C856BB}" presName="hierRoot2" presStyleCnt="0"/>
@@ -1488,6 +1579,13 @@
     <dgm:pt modelId="{61CE1FF3-FAB2-488B-830A-480E31CE4E22}" type="pres">
       <dgm:prSet presAssocID="{308EA422-5D01-4FF1-B5C6-A2B47FD23613}" presName="Name10" presStyleLbl="parChTrans1D2" presStyleIdx="2" presStyleCnt="3"/>
       <dgm:spPr/>
+      <dgm:t>
+        <a:bodyPr/>
+        <a:lstStyle/>
+        <a:p>
+          <a:endParaRPr lang="en-US"/>
+        </a:p>
+      </dgm:t>
     </dgm:pt>
     <dgm:pt modelId="{5E3438C0-FA44-48F1-B4C2-4B798BC14103}" type="pres">
       <dgm:prSet presAssocID="{476A8A1B-A43A-4011-951F-E950444EBF8E}" presName="hierRoot2" presStyleCnt="0"/>
@@ -1536,8 +1634,8 @@
     <dgm:cxn modelId="{02783098-6307-4187-90CA-CEEB6F3D408B}" type="presOf" srcId="{0001CE6B-F59E-49FB-B006-66D4892AD361}" destId="{3BBC75E3-7BDE-4F4B-95FF-2DD50F1308A0}" srcOrd="0" destOrd="0" presId="urn:microsoft.com/office/officeart/2005/8/layout/hierarchy1"/>
     <dgm:cxn modelId="{28C30BCB-EED3-4987-8A67-3289A29F4F6D}" type="presOf" srcId="{733AB51D-0F35-4672-8D70-BFAF08B7B494}" destId="{AC3D6948-BA2E-4197-A7D3-E099CECBF5F9}" srcOrd="0" destOrd="0" presId="urn:microsoft.com/office/officeart/2005/8/layout/hierarchy1"/>
     <dgm:cxn modelId="{01E24079-858A-49D8-9A18-1D38CF1FD00D}" type="presOf" srcId="{19A60DCB-5F3B-46A4-9FA1-D8FDAD564C98}" destId="{2CDE8D3D-C1A6-40A6-B8F8-0EA8494DFE3E}" srcOrd="0" destOrd="0" presId="urn:microsoft.com/office/officeart/2005/8/layout/hierarchy1"/>
+    <dgm:cxn modelId="{CA00A689-0750-4552-8AA1-A795F6025058}" type="presOf" srcId="{105E611B-EB5B-4106-80A3-F49AAEEEFABF}" destId="{26D5ADB3-DDA9-4B11-9044-5534404BEDFC}" srcOrd="0" destOrd="0" presId="urn:microsoft.com/office/officeart/2005/8/layout/hierarchy1"/>
     <dgm:cxn modelId="{27D05215-3143-4FE0-9B1E-78332801EF46}" type="presOf" srcId="{4205FB4D-053E-4FA1-83AF-B50C39C54706}" destId="{05478E63-B67B-41AF-B0E1-A0BE473DDCB2}" srcOrd="0" destOrd="0" presId="urn:microsoft.com/office/officeart/2005/8/layout/hierarchy1"/>
-    <dgm:cxn modelId="{CA00A689-0750-4552-8AA1-A795F6025058}" type="presOf" srcId="{105E611B-EB5B-4106-80A3-F49AAEEEFABF}" destId="{26D5ADB3-DDA9-4B11-9044-5534404BEDFC}" srcOrd="0" destOrd="0" presId="urn:microsoft.com/office/officeart/2005/8/layout/hierarchy1"/>
     <dgm:cxn modelId="{F3F9BAB1-FEDB-4A53-92A5-411651BFB5D0}" type="presOf" srcId="{308EA422-5D01-4FF1-B5C6-A2B47FD23613}" destId="{61CE1FF3-FAB2-488B-830A-480E31CE4E22}" srcOrd="0" destOrd="0" presId="urn:microsoft.com/office/officeart/2005/8/layout/hierarchy1"/>
     <dgm:cxn modelId="{83342210-5789-4215-A165-82AB5F43F8AC}" type="presOf" srcId="{CBBF06CA-7286-4E94-972C-3B315424A94E}" destId="{DC0DCA6C-DE47-4860-8E1A-70B002ED8023}" srcOrd="0" destOrd="0" presId="urn:microsoft.com/office/officeart/2005/8/layout/hierarchy1"/>
     <dgm:cxn modelId="{CC432D3C-8F47-404B-BCBB-E28A08978A75}" type="presOf" srcId="{68DF84C2-B24E-4AB0-B09C-276C9CA15F02}" destId="{6B9FB61B-46C4-46E1-BAD1-8EA4E9990F7B}" srcOrd="0" destOrd="0" presId="urn:microsoft.com/office/officeart/2005/8/layout/hierarchy1"/>
@@ -5056,7 +5154,7 @@
           <a:p>
             <a:fld id="{A8193F1D-56DB-E44D-9849-55B52730CCEA}" type="datetimeFigureOut">
               <a:rPr lang="en-US" smtClean="0"/>
-              <a:t>10/12/2015</a:t>
+              <a:t>10/13/2015</a:t>
             </a:fld>
             <a:endParaRPr lang="en-US"/>
           </a:p>
@@ -5226,7 +5324,7 @@
           <a:p>
             <a:fld id="{A8193F1D-56DB-E44D-9849-55B52730CCEA}" type="datetimeFigureOut">
               <a:rPr lang="en-US" smtClean="0"/>
-              <a:t>10/12/2015</a:t>
+              <a:t>10/13/2015</a:t>
             </a:fld>
             <a:endParaRPr lang="en-US"/>
           </a:p>
@@ -5406,7 +5504,7 @@
           <a:p>
             <a:fld id="{A8193F1D-56DB-E44D-9849-55B52730CCEA}" type="datetimeFigureOut">
               <a:rPr lang="en-US" smtClean="0"/>
-              <a:t>10/12/2015</a:t>
+              <a:t>10/13/2015</a:t>
             </a:fld>
             <a:endParaRPr lang="en-US"/>
           </a:p>
@@ -5576,7 +5674,7 @@
           <a:p>
             <a:fld id="{A8193F1D-56DB-E44D-9849-55B52730CCEA}" type="datetimeFigureOut">
               <a:rPr lang="en-US" smtClean="0"/>
-              <a:t>10/12/2015</a:t>
+              <a:t>10/13/2015</a:t>
             </a:fld>
             <a:endParaRPr lang="en-US"/>
           </a:p>
@@ -5822,7 +5920,7 @@
           <a:p>
             <a:fld id="{A8193F1D-56DB-E44D-9849-55B52730CCEA}" type="datetimeFigureOut">
               <a:rPr lang="en-US" smtClean="0"/>
-              <a:t>10/12/2015</a:t>
+              <a:t>10/13/2015</a:t>
             </a:fld>
             <a:endParaRPr lang="en-US"/>
           </a:p>
@@ -6110,7 +6208,7 @@
           <a:p>
             <a:fld id="{A8193F1D-56DB-E44D-9849-55B52730CCEA}" type="datetimeFigureOut">
               <a:rPr lang="en-US" smtClean="0"/>
-              <a:t>10/12/2015</a:t>
+              <a:t>10/13/2015</a:t>
             </a:fld>
             <a:endParaRPr lang="en-US"/>
           </a:p>
@@ -6532,7 +6630,7 @@
           <a:p>
             <a:fld id="{A8193F1D-56DB-E44D-9849-55B52730CCEA}" type="datetimeFigureOut">
               <a:rPr lang="en-US" smtClean="0"/>
-              <a:t>10/12/2015</a:t>
+              <a:t>10/13/2015</a:t>
             </a:fld>
             <a:endParaRPr lang="en-US"/>
           </a:p>
@@ -6650,7 +6748,7 @@
           <a:p>
             <a:fld id="{A8193F1D-56DB-E44D-9849-55B52730CCEA}" type="datetimeFigureOut">
               <a:rPr lang="en-US" smtClean="0"/>
-              <a:t>10/12/2015</a:t>
+              <a:t>10/13/2015</a:t>
             </a:fld>
             <a:endParaRPr lang="en-US"/>
           </a:p>
@@ -6745,7 +6843,7 @@
           <a:p>
             <a:fld id="{A8193F1D-56DB-E44D-9849-55B52730CCEA}" type="datetimeFigureOut">
               <a:rPr lang="en-US" smtClean="0"/>
-              <a:t>10/12/2015</a:t>
+              <a:t>10/13/2015</a:t>
             </a:fld>
             <a:endParaRPr lang="en-US"/>
           </a:p>
@@ -7022,7 +7120,7 @@
           <a:p>
             <a:fld id="{A8193F1D-56DB-E44D-9849-55B52730CCEA}" type="datetimeFigureOut">
               <a:rPr lang="en-US" smtClean="0"/>
-              <a:t>10/12/2015</a:t>
+              <a:t>10/13/2015</a:t>
             </a:fld>
             <a:endParaRPr lang="en-US"/>
           </a:p>
@@ -7275,7 +7373,7 @@
           <a:p>
             <a:fld id="{A8193F1D-56DB-E44D-9849-55B52730CCEA}" type="datetimeFigureOut">
               <a:rPr lang="en-US" smtClean="0"/>
-              <a:t>10/12/2015</a:t>
+              <a:t>10/13/2015</a:t>
             </a:fld>
             <a:endParaRPr lang="en-US"/>
           </a:p>
@@ -7488,7 +7586,7 @@
           <a:p>
             <a:fld id="{A8193F1D-56DB-E44D-9849-55B52730CCEA}" type="datetimeFigureOut">
               <a:rPr lang="en-US" smtClean="0"/>
-              <a:t>10/12/2015</a:t>
+              <a:t>10/13/2015</a:t>
             </a:fld>
             <a:endParaRPr lang="en-US"/>
           </a:p>
@@ -8150,8 +8248,13 @@
             </a:pPr>
             <a:r>
               <a:rPr lang="en-US" dirty="0" smtClean="0"/>
-              <a:t>Dead ends</a:t>
+              <a:t>Dead </a:t>
             </a:r>
+            <a:r>
+              <a:rPr lang="en-US" dirty="0" smtClean="0"/>
+              <a:t>end</a:t>
+            </a:r>
+            <a:endParaRPr lang="en-US" dirty="0" smtClean="0"/>
           </a:p>
           <a:p>
             <a:pPr marL="742950" lvl="1" indent="-285750">
@@ -9875,7 +9978,7 @@
                   <a:latin typeface="Candara"/>
                   <a:cs typeface="Candara"/>
                 </a:rPr>
-                <a:t>: Hardware Integration</a:t>
+                <a:t>: End of Semester Test</a:t>
               </a:r>
               <a:endParaRPr lang="en-US" sz="2400" dirty="0">
                 <a:solidFill>
@@ -9890,14 +9993,14 @@
       </p:grpSp>
       <p:sp>
         <p:nvSpPr>
-          <p:cNvPr id="2" name="TextBox 1"/>
+          <p:cNvPr id="10" name="TextBox 9"/>
           <p:cNvSpPr txBox="1"/>
           <p:nvPr/>
         </p:nvSpPr>
         <p:spPr>
           <a:xfrm>
-            <a:off x="165253" y="1156771"/>
-            <a:ext cx="4362680" cy="2862322"/>
+            <a:off x="121186" y="1255923"/>
+            <a:ext cx="4022189" cy="1754326"/>
           </a:xfrm>
           <a:prstGeom prst="rect">
             <a:avLst/>
@@ -9912,8 +10015,9 @@
           <a:p>
             <a:r>
               <a:rPr lang="en-US" dirty="0" smtClean="0"/>
-              <a:t>Hardware:</a:t>
+              <a:t>Manual Flight Doorway Test:</a:t>
             </a:r>
+            <a:endParaRPr lang="en-US" dirty="0" smtClean="0"/>
           </a:p>
           <a:p>
             <a:pPr marL="285750" indent="-285750">
@@ -9922,7 +10026,7 @@
             </a:pPr>
             <a:r>
               <a:rPr lang="en-US" dirty="0" smtClean="0"/>
-              <a:t>ASUS Quadcopter</a:t>
+              <a:t>Build an adjustable doorway</a:t>
             </a:r>
           </a:p>
           <a:p>
@@ -9932,13 +10036,8 @@
             </a:pPr>
             <a:r>
               <a:rPr lang="en-US" dirty="0" smtClean="0"/>
-              <a:t>ASUS </a:t>
+              <a:t>Incrementally decrease width of doorway</a:t>
             </a:r>
-            <a:r>
-              <a:rPr lang="en-US" dirty="0" err="1" smtClean="0"/>
-              <a:t>Xtion</a:t>
-            </a:r>
-            <a:endParaRPr lang="en-US" dirty="0" smtClean="0"/>
           </a:p>
           <a:p>
             <a:pPr marL="285750" indent="-285750">
@@ -9947,171 +10046,16 @@
             </a:pPr>
             <a:r>
               <a:rPr lang="en-US" dirty="0" smtClean="0"/>
-              <a:t>Laser Range Finder</a:t>
-            </a:r>
-          </a:p>
-          <a:p>
-            <a:pPr marL="285750" indent="-285750">
-              <a:buFont typeface="Arial" panose="020B0604020202020204" pitchFamily="34" charset="0"/>
-              <a:buChar char="•"/>
-            </a:pPr>
-            <a:r>
-              <a:rPr lang="en-US" dirty="0" smtClean="0"/>
-              <a:t>Jetson Dev Board</a:t>
-            </a:r>
-          </a:p>
-          <a:p>
-            <a:pPr marL="285750" indent="-285750">
-              <a:buFont typeface="Arial" panose="020B0604020202020204" pitchFamily="34" charset="0"/>
-              <a:buChar char="•"/>
-            </a:pPr>
-            <a:r>
-              <a:rPr lang="en-US" dirty="0" smtClean="0"/>
-              <a:t>Teensy Board</a:t>
-            </a:r>
-          </a:p>
-          <a:p>
-            <a:pPr marL="285750" indent="-285750">
-              <a:buFont typeface="Arial" panose="020B0604020202020204" pitchFamily="34" charset="0"/>
-              <a:buChar char="•"/>
-            </a:pPr>
-            <a:r>
-              <a:rPr lang="en-US" dirty="0" smtClean="0"/>
-              <a:t>ODROID XU4</a:t>
-            </a:r>
-          </a:p>
-          <a:p>
-            <a:pPr marL="285750" indent="-285750">
-              <a:buFont typeface="Arial" panose="020B0604020202020204" pitchFamily="34" charset="0"/>
-              <a:buChar char="•"/>
-            </a:pPr>
-            <a:r>
-              <a:rPr lang="en-US" dirty="0" err="1" smtClean="0"/>
-              <a:t>Ultrasonics</a:t>
+              <a:t>Find how narrow of a doorway the quadcopter can fly through</a:t>
             </a:r>
             <a:endParaRPr lang="en-US" dirty="0" smtClean="0"/>
-          </a:p>
-          <a:p>
-            <a:pPr marL="285750" indent="-285750">
-              <a:buFont typeface="Arial" panose="020B0604020202020204" pitchFamily="34" charset="0"/>
-              <a:buChar char="•"/>
-            </a:pPr>
-            <a:r>
-              <a:rPr lang="en-US" dirty="0" smtClean="0"/>
-              <a:t>Battery</a:t>
-            </a:r>
-          </a:p>
-          <a:p>
-            <a:pPr marL="285750" indent="-285750">
-              <a:buFont typeface="Arial" panose="020B0604020202020204" pitchFamily="34" charset="0"/>
-              <a:buChar char="•"/>
-            </a:pPr>
-            <a:endParaRPr lang="en-US" dirty="0"/>
-          </a:p>
-        </p:txBody>
-      </p:sp>
-      <p:graphicFrame>
-        <p:nvGraphicFramePr>
-          <p:cNvPr id="3" name="Diagram 2"/>
-          <p:cNvGraphicFramePr/>
-          <p:nvPr>
-            <p:extLst>
-              <p:ext uri="{D42A27DB-BD31-4B8C-83A1-F6EECF244321}">
-                <p14:modId xmlns:p14="http://schemas.microsoft.com/office/powerpoint/2010/main" val="3502712290"/>
-              </p:ext>
-            </p:extLst>
-          </p:nvPr>
-        </p:nvGraphicFramePr>
-        <p:xfrm>
-          <a:off x="3025966" y="1159869"/>
-          <a:ext cx="6096000" cy="4064000"/>
-        </p:xfrm>
-        <a:graphic>
-          <a:graphicData uri="http://schemas.openxmlformats.org/drawingml/2006/diagram">
-            <dgm:relIds xmlns:dgm="http://schemas.openxmlformats.org/drawingml/2006/diagram" xmlns:r="http://schemas.openxmlformats.org/officeDocument/2006/relationships" r:dm="rId4" r:lo="rId5" r:qs="rId6" r:cs="rId7"/>
-          </a:graphicData>
-        </a:graphic>
-      </p:graphicFrame>
-      <p:sp>
-        <p:nvSpPr>
-          <p:cNvPr id="10" name="Right Arrow 9"/>
-          <p:cNvSpPr/>
-          <p:nvPr/>
-        </p:nvSpPr>
-        <p:spPr>
-          <a:xfrm rot="10800000">
-            <a:off x="7042958" y="2118732"/>
-            <a:ext cx="345688" cy="256478"/>
-          </a:xfrm>
-          <a:prstGeom prst="rightArrow">
-            <a:avLst/>
-          </a:prstGeom>
-        </p:spPr>
-        <p:style>
-          <a:lnRef idx="1">
-            <a:schemeClr val="dk1"/>
-          </a:lnRef>
-          <a:fillRef idx="3">
-            <a:schemeClr val="dk1"/>
-          </a:fillRef>
-          <a:effectRef idx="2">
-            <a:schemeClr val="dk1"/>
-          </a:effectRef>
-          <a:fontRef idx="minor">
-            <a:schemeClr val="lt1"/>
-          </a:fontRef>
-        </p:style>
-        <p:txBody>
-          <a:bodyPr rtlCol="0" anchor="ctr"/>
-          <a:lstStyle/>
-          <a:p>
-            <a:pPr algn="ctr"/>
-            <a:endParaRPr lang="en-US"/>
-          </a:p>
-        </p:txBody>
-      </p:sp>
-      <p:sp>
-        <p:nvSpPr>
-          <p:cNvPr id="11" name="Right Arrow 10"/>
-          <p:cNvSpPr/>
-          <p:nvPr/>
-        </p:nvSpPr>
-        <p:spPr>
-          <a:xfrm rot="10800000">
-            <a:off x="5901122" y="2124308"/>
-            <a:ext cx="345688" cy="256478"/>
-          </a:xfrm>
-          <a:prstGeom prst="rightArrow">
-            <a:avLst/>
-          </a:prstGeom>
-        </p:spPr>
-        <p:style>
-          <a:lnRef idx="1">
-            <a:schemeClr val="dk1"/>
-          </a:lnRef>
-          <a:fillRef idx="3">
-            <a:schemeClr val="dk1"/>
-          </a:fillRef>
-          <a:effectRef idx="2">
-            <a:schemeClr val="dk1"/>
-          </a:effectRef>
-          <a:fontRef idx="minor">
-            <a:schemeClr val="lt1"/>
-          </a:fontRef>
-        </p:style>
-        <p:txBody>
-          <a:bodyPr rtlCol="0" anchor="ctr"/>
-          <a:lstStyle/>
-          <a:p>
-            <a:pPr algn="ctr"/>
-            <a:endParaRPr lang="en-US"/>
           </a:p>
         </p:txBody>
       </p:sp>
     </p:spTree>
     <p:extLst>
       <p:ext uri="{BB962C8B-B14F-4D97-AF65-F5344CB8AC3E}">
-        <p14:creationId xmlns:p14="http://schemas.microsoft.com/office/powerpoint/2010/main" val="1667106437"/>
+        <p14:creationId xmlns:p14="http://schemas.microsoft.com/office/powerpoint/2010/main" val="907685721"/>
       </p:ext>
     </p:extLst>
   </p:cSld>
@@ -10359,7 +10303,7 @@
         <p:spPr>
           <a:xfrm>
             <a:off x="165253" y="1156771"/>
-            <a:ext cx="4362680" cy="1200329"/>
+            <a:ext cx="4362680" cy="2862322"/>
           </a:xfrm>
           <a:prstGeom prst="rect">
             <a:avLst/>
@@ -10374,7 +10318,7 @@
           <a:p>
             <a:r>
               <a:rPr lang="en-US" dirty="0" smtClean="0"/>
-              <a:t>Modifications:</a:t>
+              <a:t>Hardware:</a:t>
             </a:r>
           </a:p>
           <a:p>
@@ -10384,7 +10328,7 @@
             </a:pPr>
             <a:r>
               <a:rPr lang="en-US" dirty="0" smtClean="0"/>
-              <a:t>Landing Gear</a:t>
+              <a:t>ASUS Quadcopter</a:t>
             </a:r>
           </a:p>
           <a:p>
@@ -10394,22 +10338,186 @@
             </a:pPr>
             <a:r>
               <a:rPr lang="en-US" dirty="0" smtClean="0"/>
-              <a:t>Blade Guards</a:t>
+              <a:t>ASUS </a:t>
             </a:r>
+            <a:r>
+              <a:rPr lang="en-US" dirty="0" err="1" smtClean="0"/>
+              <a:t>Xtion</a:t>
+            </a:r>
+            <a:endParaRPr lang="en-US" dirty="0" smtClean="0"/>
           </a:p>
           <a:p>
             <a:pPr marL="285750" indent="-285750">
               <a:buFont typeface="Arial" panose="020B0604020202020204" pitchFamily="34" charset="0"/>
               <a:buChar char="•"/>
             </a:pPr>
+            <a:r>
+              <a:rPr lang="en-US" dirty="0" smtClean="0"/>
+              <a:t>Laser Range Finder</a:t>
+            </a:r>
+          </a:p>
+          <a:p>
+            <a:pPr marL="285750" indent="-285750">
+              <a:buFont typeface="Arial" panose="020B0604020202020204" pitchFamily="34" charset="0"/>
+              <a:buChar char="•"/>
+            </a:pPr>
+            <a:r>
+              <a:rPr lang="en-US" dirty="0" smtClean="0"/>
+              <a:t>Jetson Dev Board</a:t>
+            </a:r>
+          </a:p>
+          <a:p>
+            <a:pPr marL="285750" indent="-285750">
+              <a:buFont typeface="Arial" panose="020B0604020202020204" pitchFamily="34" charset="0"/>
+              <a:buChar char="•"/>
+            </a:pPr>
+            <a:r>
+              <a:rPr lang="en-US" dirty="0" smtClean="0"/>
+              <a:t>Teensy Board</a:t>
+            </a:r>
+          </a:p>
+          <a:p>
+            <a:pPr marL="285750" indent="-285750">
+              <a:buFont typeface="Arial" panose="020B0604020202020204" pitchFamily="34" charset="0"/>
+              <a:buChar char="•"/>
+            </a:pPr>
+            <a:r>
+              <a:rPr lang="en-US" dirty="0" smtClean="0"/>
+              <a:t>ODROID XU4</a:t>
+            </a:r>
+          </a:p>
+          <a:p>
+            <a:pPr marL="285750" indent="-285750">
+              <a:buFont typeface="Arial" panose="020B0604020202020204" pitchFamily="34" charset="0"/>
+              <a:buChar char="•"/>
+            </a:pPr>
+            <a:r>
+              <a:rPr lang="en-US" dirty="0" err="1" smtClean="0"/>
+              <a:t>Ultrasonics</a:t>
+            </a:r>
             <a:endParaRPr lang="en-US" dirty="0" smtClean="0"/>
+          </a:p>
+          <a:p>
+            <a:pPr marL="285750" indent="-285750">
+              <a:buFont typeface="Arial" panose="020B0604020202020204" pitchFamily="34" charset="0"/>
+              <a:buChar char="•"/>
+            </a:pPr>
+            <a:r>
+              <a:rPr lang="en-US" dirty="0" smtClean="0"/>
+              <a:t>Battery</a:t>
+            </a:r>
+          </a:p>
+          <a:p>
+            <a:pPr marL="285750" indent="-285750">
+              <a:buFont typeface="Arial" panose="020B0604020202020204" pitchFamily="34" charset="0"/>
+              <a:buChar char="•"/>
+            </a:pPr>
+            <a:endParaRPr lang="en-US" dirty="0"/>
+          </a:p>
+        </p:txBody>
+      </p:sp>
+      <p:graphicFrame>
+        <p:nvGraphicFramePr>
+          <p:cNvPr id="3" name="Diagram 2"/>
+          <p:cNvGraphicFramePr/>
+          <p:nvPr>
+            <p:extLst>
+              <p:ext uri="{D42A27DB-BD31-4B8C-83A1-F6EECF244321}">
+                <p14:modId xmlns:p14="http://schemas.microsoft.com/office/powerpoint/2010/main" val="3502712290"/>
+              </p:ext>
+            </p:extLst>
+          </p:nvPr>
+        </p:nvGraphicFramePr>
+        <p:xfrm>
+          <a:off x="3025966" y="1159869"/>
+          <a:ext cx="6096000" cy="4064000"/>
+        </p:xfrm>
+        <a:graphic>
+          <a:graphicData uri="http://schemas.openxmlformats.org/drawingml/2006/diagram">
+            <dgm:relIds xmlns:dgm="http://schemas.openxmlformats.org/drawingml/2006/diagram" xmlns:r="http://schemas.openxmlformats.org/officeDocument/2006/relationships" r:dm="rId4" r:lo="rId5" r:qs="rId6" r:cs="rId7"/>
+          </a:graphicData>
+        </a:graphic>
+      </p:graphicFrame>
+      <p:sp>
+        <p:nvSpPr>
+          <p:cNvPr id="10" name="Right Arrow 9"/>
+          <p:cNvSpPr/>
+          <p:nvPr/>
+        </p:nvSpPr>
+        <p:spPr>
+          <a:xfrm rot="10800000">
+            <a:off x="7042958" y="2118732"/>
+            <a:ext cx="345688" cy="256478"/>
+          </a:xfrm>
+          <a:prstGeom prst="rightArrow">
+            <a:avLst/>
+          </a:prstGeom>
+        </p:spPr>
+        <p:style>
+          <a:lnRef idx="1">
+            <a:schemeClr val="dk1"/>
+          </a:lnRef>
+          <a:fillRef idx="3">
+            <a:schemeClr val="dk1"/>
+          </a:fillRef>
+          <a:effectRef idx="2">
+            <a:schemeClr val="dk1"/>
+          </a:effectRef>
+          <a:fontRef idx="minor">
+            <a:schemeClr val="lt1"/>
+          </a:fontRef>
+        </p:style>
+        <p:txBody>
+          <a:bodyPr rtlCol="0" anchor="ctr"/>
+          <a:lstStyle/>
+          <a:p>
+            <a:pPr algn="ctr"/>
+            <a:endParaRPr lang="en-US"/>
+          </a:p>
+        </p:txBody>
+      </p:sp>
+      <p:sp>
+        <p:nvSpPr>
+          <p:cNvPr id="11" name="Right Arrow 10"/>
+          <p:cNvSpPr/>
+          <p:nvPr/>
+        </p:nvSpPr>
+        <p:spPr>
+          <a:xfrm rot="10800000">
+            <a:off x="5901122" y="2124308"/>
+            <a:ext cx="345688" cy="256478"/>
+          </a:xfrm>
+          <a:prstGeom prst="rightArrow">
+            <a:avLst/>
+          </a:prstGeom>
+        </p:spPr>
+        <p:style>
+          <a:lnRef idx="1">
+            <a:schemeClr val="dk1"/>
+          </a:lnRef>
+          <a:fillRef idx="3">
+            <a:schemeClr val="dk1"/>
+          </a:fillRef>
+          <a:effectRef idx="2">
+            <a:schemeClr val="dk1"/>
+          </a:effectRef>
+          <a:fontRef idx="minor">
+            <a:schemeClr val="lt1"/>
+          </a:fontRef>
+        </p:style>
+        <p:txBody>
+          <a:bodyPr rtlCol="0" anchor="ctr"/>
+          <a:lstStyle/>
+          <a:p>
+            <a:pPr algn="ctr"/>
+            <a:endParaRPr lang="en-US"/>
           </a:p>
         </p:txBody>
       </p:sp>
     </p:spTree>
     <p:extLst>
       <p:ext uri="{BB962C8B-B14F-4D97-AF65-F5344CB8AC3E}">
-        <p14:creationId xmlns:p14="http://schemas.microsoft.com/office/powerpoint/2010/main" val="161426158"/>
+        <p14:creationId xmlns:p14="http://schemas.microsoft.com/office/powerpoint/2010/main" val="1667106437"/>
       </p:ext>
     </p:extLst>
   </p:cSld>

--- a/Presentations/Mid Semester Review/Individual_Slides/Matt/Busby_Slides.pptx
+++ b/Presentations/Mid Semester Review/Individual_Slides/Matt/Busby_Slides.pptx
@@ -5154,7 +5154,7 @@
           <a:p>
             <a:fld id="{A8193F1D-56DB-E44D-9849-55B52730CCEA}" type="datetimeFigureOut">
               <a:rPr lang="en-US" smtClean="0"/>
-              <a:t>10/13/2015</a:t>
+              <a:t>10/14/2015</a:t>
             </a:fld>
             <a:endParaRPr lang="en-US"/>
           </a:p>
@@ -5324,7 +5324,7 @@
           <a:p>
             <a:fld id="{A8193F1D-56DB-E44D-9849-55B52730CCEA}" type="datetimeFigureOut">
               <a:rPr lang="en-US" smtClean="0"/>
-              <a:t>10/13/2015</a:t>
+              <a:t>10/14/2015</a:t>
             </a:fld>
             <a:endParaRPr lang="en-US"/>
           </a:p>
@@ -5504,7 +5504,7 @@
           <a:p>
             <a:fld id="{A8193F1D-56DB-E44D-9849-55B52730CCEA}" type="datetimeFigureOut">
               <a:rPr lang="en-US" smtClean="0"/>
-              <a:t>10/13/2015</a:t>
+              <a:t>10/14/2015</a:t>
             </a:fld>
             <a:endParaRPr lang="en-US"/>
           </a:p>
@@ -5674,7 +5674,7 @@
           <a:p>
             <a:fld id="{A8193F1D-56DB-E44D-9849-55B52730CCEA}" type="datetimeFigureOut">
               <a:rPr lang="en-US" smtClean="0"/>
-              <a:t>10/13/2015</a:t>
+              <a:t>10/14/2015</a:t>
             </a:fld>
             <a:endParaRPr lang="en-US"/>
           </a:p>
@@ -5920,7 +5920,7 @@
           <a:p>
             <a:fld id="{A8193F1D-56DB-E44D-9849-55B52730CCEA}" type="datetimeFigureOut">
               <a:rPr lang="en-US" smtClean="0"/>
-              <a:t>10/13/2015</a:t>
+              <a:t>10/14/2015</a:t>
             </a:fld>
             <a:endParaRPr lang="en-US"/>
           </a:p>
@@ -6208,7 +6208,7 @@
           <a:p>
             <a:fld id="{A8193F1D-56DB-E44D-9849-55B52730CCEA}" type="datetimeFigureOut">
               <a:rPr lang="en-US" smtClean="0"/>
-              <a:t>10/13/2015</a:t>
+              <a:t>10/14/2015</a:t>
             </a:fld>
             <a:endParaRPr lang="en-US"/>
           </a:p>
@@ -6630,7 +6630,7 @@
           <a:p>
             <a:fld id="{A8193F1D-56DB-E44D-9849-55B52730CCEA}" type="datetimeFigureOut">
               <a:rPr lang="en-US" smtClean="0"/>
-              <a:t>10/13/2015</a:t>
+              <a:t>10/14/2015</a:t>
             </a:fld>
             <a:endParaRPr lang="en-US"/>
           </a:p>
@@ -6748,7 +6748,7 @@
           <a:p>
             <a:fld id="{A8193F1D-56DB-E44D-9849-55B52730CCEA}" type="datetimeFigureOut">
               <a:rPr lang="en-US" smtClean="0"/>
-              <a:t>10/13/2015</a:t>
+              <a:t>10/14/2015</a:t>
             </a:fld>
             <a:endParaRPr lang="en-US"/>
           </a:p>
@@ -6843,7 +6843,7 @@
           <a:p>
             <a:fld id="{A8193F1D-56DB-E44D-9849-55B52730CCEA}" type="datetimeFigureOut">
               <a:rPr lang="en-US" smtClean="0"/>
-              <a:t>10/13/2015</a:t>
+              <a:t>10/14/2015</a:t>
             </a:fld>
             <a:endParaRPr lang="en-US"/>
           </a:p>
@@ -7120,7 +7120,7 @@
           <a:p>
             <a:fld id="{A8193F1D-56DB-E44D-9849-55B52730CCEA}" type="datetimeFigureOut">
               <a:rPr lang="en-US" smtClean="0"/>
-              <a:t>10/13/2015</a:t>
+              <a:t>10/14/2015</a:t>
             </a:fld>
             <a:endParaRPr lang="en-US"/>
           </a:p>
@@ -7373,7 +7373,7 @@
           <a:p>
             <a:fld id="{A8193F1D-56DB-E44D-9849-55B52730CCEA}" type="datetimeFigureOut">
               <a:rPr lang="en-US" smtClean="0"/>
-              <a:t>10/13/2015</a:t>
+              <a:t>10/14/2015</a:t>
             </a:fld>
             <a:endParaRPr lang="en-US"/>
           </a:p>
@@ -7586,7 +7586,7 @@
           <a:p>
             <a:fld id="{A8193F1D-56DB-E44D-9849-55B52730CCEA}" type="datetimeFigureOut">
               <a:rPr lang="en-US" smtClean="0"/>
-              <a:t>10/13/2015</a:t>
+              <a:t>10/14/2015</a:t>
             </a:fld>
             <a:endParaRPr lang="en-US"/>
           </a:p>
@@ -8248,13 +8248,8 @@
             </a:pPr>
             <a:r>
               <a:rPr lang="en-US" dirty="0" smtClean="0"/>
-              <a:t>Dead </a:t>
+              <a:t>Dead end</a:t>
             </a:r>
-            <a:r>
-              <a:rPr lang="en-US" dirty="0" smtClean="0"/>
-              <a:t>end</a:t>
-            </a:r>
-            <a:endParaRPr lang="en-US" dirty="0" smtClean="0"/>
           </a:p>
           <a:p>
             <a:pPr marL="742950" lvl="1" indent="-285750">
@@ -8611,8 +8606,9 @@
             </a:pPr>
             <a:r>
               <a:rPr lang="en-US" dirty="0" smtClean="0"/>
-              <a:t>Placed into map by Dr. Frew</a:t>
+              <a:t>Placed into map </a:t>
             </a:r>
+            <a:endParaRPr lang="en-US" dirty="0" smtClean="0"/>
           </a:p>
           <a:p>
             <a:pPr marL="285750" indent="-285750">
@@ -8621,7 +8617,11 @@
             </a:pPr>
             <a:r>
               <a:rPr lang="en-US" dirty="0" smtClean="0"/>
-              <a:t>“Target” placed into map</a:t>
+              <a:t>“</a:t>
+            </a:r>
+            <a:r>
+              <a:rPr lang="en-US" dirty="0" smtClean="0"/>
+              <a:t>Target” placed into map</a:t>
             </a:r>
           </a:p>
         </p:txBody>
@@ -9978,7 +9978,17 @@
                   <a:latin typeface="Candara"/>
                   <a:cs typeface="Candara"/>
                 </a:rPr>
-                <a:t>: End of Semester Test</a:t>
+                <a:t>: </a:t>
+              </a:r>
+              <a:r>
+                <a:rPr lang="en-US" sz="2400" dirty="0" smtClean="0">
+                  <a:solidFill>
+                    <a:srgbClr val="FFFFFF"/>
+                  </a:solidFill>
+                  <a:latin typeface="Candara"/>
+                  <a:cs typeface="Candara"/>
+                </a:rPr>
+                <a:t>Doorway Test</a:t>
               </a:r>
               <a:endParaRPr lang="en-US" sz="2400" dirty="0">
                 <a:solidFill>
@@ -10000,7 +10010,7 @@
         <p:spPr>
           <a:xfrm>
             <a:off x="121186" y="1255923"/>
-            <a:ext cx="4022189" cy="1754326"/>
+            <a:ext cx="4022189" cy="2585323"/>
           </a:xfrm>
           <a:prstGeom prst="rect">
             <a:avLst/>
@@ -10017,7 +10027,6 @@
               <a:rPr lang="en-US" dirty="0" smtClean="0"/>
               <a:t>Manual Flight Doorway Test:</a:t>
             </a:r>
-            <a:endParaRPr lang="en-US" dirty="0" smtClean="0"/>
           </a:p>
           <a:p>
             <a:pPr marL="285750" indent="-285750">
@@ -10046,7 +10055,33 @@
             </a:pPr>
             <a:r>
               <a:rPr lang="en-US" dirty="0" smtClean="0"/>
-              <a:t>Find how narrow of a doorway the quadcopter can fly through</a:t>
+              <a:t>Find how narrow of a doorway the quadcopter can </a:t>
+            </a:r>
+            <a:r>
+              <a:rPr lang="en-US" smtClean="0"/>
+              <a:t>fly </a:t>
+            </a:r>
+            <a:r>
+              <a:rPr lang="en-US" smtClean="0"/>
+              <a:t>through</a:t>
+            </a:r>
+            <a:endParaRPr lang="en-US" dirty="0" smtClean="0"/>
+          </a:p>
+          <a:p>
+            <a:pPr marL="285750" indent="-285750">
+              <a:buFont typeface="Arial" panose="020B0604020202020204" pitchFamily="34" charset="0"/>
+              <a:buChar char="•"/>
+            </a:pPr>
+            <a:endParaRPr lang="en-US" dirty="0"/>
+          </a:p>
+          <a:p>
+            <a:pPr marL="285750" indent="-285750">
+              <a:buFont typeface="Arial" panose="020B0604020202020204" pitchFamily="34" charset="0"/>
+              <a:buChar char="•"/>
+            </a:pPr>
+            <a:r>
+              <a:rPr lang="en-US" dirty="0" smtClean="0"/>
+              <a:t>This result will be used during the End of Semester Test</a:t>
             </a:r>
             <a:endParaRPr lang="en-US" dirty="0" smtClean="0"/>
           </a:p>
